--- a/doc/Cer2016_Postertemplate.pptx
+++ b/doc/Cer2016_Postertemplate.pptx
@@ -288,7 +288,8 @@
           <a:p>
             <a:fld id="{CF550CDD-3639-4D20-808C-36340C565FD2}" type="datetimeFigureOut">
               <a:rPr lang="en-GB" smtClean="0"/>
-              <a:t>24/05/2016</a:t>
+              <a:pPr/>
+              <a:t>25/05/2016</a:t>
             </a:fld>
             <a:endParaRPr lang="en-GB"/>
           </a:p>
@@ -330,6 +331,7 @@
           <a:p>
             <a:fld id="{62EB66CE-15F6-4420-9843-BF757B6EDA72}" type="slidenum">
               <a:rPr lang="en-GB" smtClean="0"/>
+              <a:pPr/>
               <a:t>‹#›</a:t>
             </a:fld>
             <a:endParaRPr lang="en-GB"/>
@@ -453,7 +455,8 @@
           <a:p>
             <a:fld id="{CF550CDD-3639-4D20-808C-36340C565FD2}" type="datetimeFigureOut">
               <a:rPr lang="en-GB" smtClean="0"/>
-              <a:t>24/05/2016</a:t>
+              <a:pPr/>
+              <a:t>25/05/2016</a:t>
             </a:fld>
             <a:endParaRPr lang="en-GB"/>
           </a:p>
@@ -495,6 +498,7 @@
           <a:p>
             <a:fld id="{62EB66CE-15F6-4420-9843-BF757B6EDA72}" type="slidenum">
               <a:rPr lang="en-GB" smtClean="0"/>
+              <a:pPr/>
               <a:t>‹#›</a:t>
             </a:fld>
             <a:endParaRPr lang="en-GB"/>
@@ -628,7 +632,8 @@
           <a:p>
             <a:fld id="{CF550CDD-3639-4D20-808C-36340C565FD2}" type="datetimeFigureOut">
               <a:rPr lang="en-GB" smtClean="0"/>
-              <a:t>24/05/2016</a:t>
+              <a:pPr/>
+              <a:t>25/05/2016</a:t>
             </a:fld>
             <a:endParaRPr lang="en-GB"/>
           </a:p>
@@ -670,6 +675,7 @@
           <a:p>
             <a:fld id="{62EB66CE-15F6-4420-9843-BF757B6EDA72}" type="slidenum">
               <a:rPr lang="en-GB" smtClean="0"/>
+              <a:pPr/>
               <a:t>‹#›</a:t>
             </a:fld>
             <a:endParaRPr lang="en-GB"/>
@@ -793,7 +799,8 @@
           <a:p>
             <a:fld id="{CF550CDD-3639-4D20-808C-36340C565FD2}" type="datetimeFigureOut">
               <a:rPr lang="en-GB" smtClean="0"/>
-              <a:t>24/05/2016</a:t>
+              <a:pPr/>
+              <a:t>25/05/2016</a:t>
             </a:fld>
             <a:endParaRPr lang="en-GB"/>
           </a:p>
@@ -835,6 +842,7 @@
           <a:p>
             <a:fld id="{62EB66CE-15F6-4420-9843-BF757B6EDA72}" type="slidenum">
               <a:rPr lang="en-GB" smtClean="0"/>
+              <a:pPr/>
               <a:t>‹#›</a:t>
             </a:fld>
             <a:endParaRPr lang="en-GB"/>
@@ -1034,7 +1042,8 @@
           <a:p>
             <a:fld id="{CF550CDD-3639-4D20-808C-36340C565FD2}" type="datetimeFigureOut">
               <a:rPr lang="en-GB" smtClean="0"/>
-              <a:t>24/05/2016</a:t>
+              <a:pPr/>
+              <a:t>25/05/2016</a:t>
             </a:fld>
             <a:endParaRPr lang="en-GB"/>
           </a:p>
@@ -1076,6 +1085,7 @@
           <a:p>
             <a:fld id="{62EB66CE-15F6-4420-9843-BF757B6EDA72}" type="slidenum">
               <a:rPr lang="en-GB" smtClean="0"/>
+              <a:pPr/>
               <a:t>‹#›</a:t>
             </a:fld>
             <a:endParaRPr lang="en-GB"/>
@@ -1317,7 +1327,8 @@
           <a:p>
             <a:fld id="{CF550CDD-3639-4D20-808C-36340C565FD2}" type="datetimeFigureOut">
               <a:rPr lang="en-GB" smtClean="0"/>
-              <a:t>24/05/2016</a:t>
+              <a:pPr/>
+              <a:t>25/05/2016</a:t>
             </a:fld>
             <a:endParaRPr lang="en-GB"/>
           </a:p>
@@ -1359,6 +1370,7 @@
           <a:p>
             <a:fld id="{62EB66CE-15F6-4420-9843-BF757B6EDA72}" type="slidenum">
               <a:rPr lang="en-GB" smtClean="0"/>
+              <a:pPr/>
               <a:t>‹#›</a:t>
             </a:fld>
             <a:endParaRPr lang="en-GB"/>
@@ -1739,7 +1751,8 @@
           <a:p>
             <a:fld id="{CF550CDD-3639-4D20-808C-36340C565FD2}" type="datetimeFigureOut">
               <a:rPr lang="en-GB" smtClean="0"/>
-              <a:t>24/05/2016</a:t>
+              <a:pPr/>
+              <a:t>25/05/2016</a:t>
             </a:fld>
             <a:endParaRPr lang="en-GB"/>
           </a:p>
@@ -1781,6 +1794,7 @@
           <a:p>
             <a:fld id="{62EB66CE-15F6-4420-9843-BF757B6EDA72}" type="slidenum">
               <a:rPr lang="en-GB" smtClean="0"/>
+              <a:pPr/>
               <a:t>‹#›</a:t>
             </a:fld>
             <a:endParaRPr lang="en-GB"/>
@@ -1852,7 +1866,8 @@
           <a:p>
             <a:fld id="{CF550CDD-3639-4D20-808C-36340C565FD2}" type="datetimeFigureOut">
               <a:rPr lang="en-GB" smtClean="0"/>
-              <a:t>24/05/2016</a:t>
+              <a:pPr/>
+              <a:t>25/05/2016</a:t>
             </a:fld>
             <a:endParaRPr lang="en-GB"/>
           </a:p>
@@ -1894,6 +1909,7 @@
           <a:p>
             <a:fld id="{62EB66CE-15F6-4420-9843-BF757B6EDA72}" type="slidenum">
               <a:rPr lang="en-GB" smtClean="0"/>
+              <a:pPr/>
               <a:t>‹#›</a:t>
             </a:fld>
             <a:endParaRPr lang="en-GB"/>
@@ -1942,7 +1958,8 @@
           <a:p>
             <a:fld id="{CF550CDD-3639-4D20-808C-36340C565FD2}" type="datetimeFigureOut">
               <a:rPr lang="en-GB" smtClean="0"/>
-              <a:t>24/05/2016</a:t>
+              <a:pPr/>
+              <a:t>25/05/2016</a:t>
             </a:fld>
             <a:endParaRPr lang="en-GB"/>
           </a:p>
@@ -1984,6 +2001,7 @@
           <a:p>
             <a:fld id="{62EB66CE-15F6-4420-9843-BF757B6EDA72}" type="slidenum">
               <a:rPr lang="en-GB" smtClean="0"/>
+              <a:pPr/>
               <a:t>‹#›</a:t>
             </a:fld>
             <a:endParaRPr lang="en-GB"/>
@@ -2214,7 +2232,8 @@
           <a:p>
             <a:fld id="{CF550CDD-3639-4D20-808C-36340C565FD2}" type="datetimeFigureOut">
               <a:rPr lang="en-GB" smtClean="0"/>
-              <a:t>24/05/2016</a:t>
+              <a:pPr/>
+              <a:t>25/05/2016</a:t>
             </a:fld>
             <a:endParaRPr lang="en-GB"/>
           </a:p>
@@ -2256,6 +2275,7 @@
           <a:p>
             <a:fld id="{62EB66CE-15F6-4420-9843-BF757B6EDA72}" type="slidenum">
               <a:rPr lang="en-GB" smtClean="0"/>
+              <a:pPr/>
               <a:t>‹#›</a:t>
             </a:fld>
             <a:endParaRPr lang="en-GB"/>
@@ -2462,7 +2482,8 @@
           <a:p>
             <a:fld id="{CF550CDD-3639-4D20-808C-36340C565FD2}" type="datetimeFigureOut">
               <a:rPr lang="en-GB" smtClean="0"/>
-              <a:t>24/05/2016</a:t>
+              <a:pPr/>
+              <a:t>25/05/2016</a:t>
             </a:fld>
             <a:endParaRPr lang="en-GB"/>
           </a:p>
@@ -2504,6 +2525,7 @@
           <a:p>
             <a:fld id="{62EB66CE-15F6-4420-9843-BF757B6EDA72}" type="slidenum">
               <a:rPr lang="en-GB" smtClean="0"/>
+              <a:pPr/>
               <a:t>‹#›</a:t>
             </a:fld>
             <a:endParaRPr lang="en-GB"/>
@@ -2670,7 +2692,8 @@
           <a:p>
             <a:fld id="{CF550CDD-3639-4D20-808C-36340C565FD2}" type="datetimeFigureOut">
               <a:rPr lang="en-GB" smtClean="0"/>
-              <a:t>24/05/2016</a:t>
+              <a:pPr/>
+              <a:t>25/05/2016</a:t>
             </a:fld>
             <a:endParaRPr lang="en-GB"/>
           </a:p>
@@ -2748,6 +2771,7 @@
           <a:p>
             <a:fld id="{62EB66CE-15F6-4420-9843-BF757B6EDA72}" type="slidenum">
               <a:rPr lang="en-GB" smtClean="0"/>
+              <a:pPr/>
               <a:t>‹#›</a:t>
             </a:fld>
             <a:endParaRPr lang="en-GB"/>
@@ -3424,8 +3448,8 @@
         </p:nvSpPr>
         <p:spPr>
           <a:xfrm>
-            <a:off x="3924647" y="6137994"/>
-            <a:ext cx="3456384" cy="432048"/>
+            <a:off x="3852639" y="6137994"/>
+            <a:ext cx="3528392" cy="432048"/>
           </a:xfrm>
           <a:prstGeom prst="rect">
             <a:avLst/>
@@ -3516,8 +3540,8 @@
         </p:nvSpPr>
         <p:spPr>
           <a:xfrm>
-            <a:off x="3924647" y="9018314"/>
-            <a:ext cx="3456384" cy="432048"/>
+            <a:off x="3852639" y="9018314"/>
+            <a:ext cx="3528392" cy="432048"/>
           </a:xfrm>
           <a:prstGeom prst="rect">
             <a:avLst/>
@@ -3658,8 +3682,8 @@
         </p:nvSpPr>
         <p:spPr>
           <a:xfrm>
-            <a:off x="3924647" y="9450362"/>
-            <a:ext cx="3456384" cy="1008112"/>
+            <a:off x="3852639" y="9450362"/>
+            <a:ext cx="3528392" cy="1008112"/>
           </a:xfrm>
           <a:prstGeom prst="rect">
             <a:avLst/>
@@ -3708,8 +3732,8 @@
         </p:nvSpPr>
         <p:spPr>
           <a:xfrm>
-            <a:off x="3924647" y="6570042"/>
-            <a:ext cx="3456384" cy="2304256"/>
+            <a:off x="3852639" y="6570042"/>
+            <a:ext cx="3528392" cy="2304256"/>
           </a:xfrm>
           <a:prstGeom prst="rect">
             <a:avLst/>
